--- a/Presentation-WPS Office.pptx
+++ b/Presentation-WPS Office.pptx
@@ -20,6 +20,7 @@
     <p:sldId id="266" r:id="rId12"/>
     <p:sldId id="267" r:id="rId13"/>
     <p:sldId id="268" r:id="rId14"/>
+    <p:sldId id="269" r:id="rId15"/>
   </p:sldIdLst>
   <p:sldSz type="screen16x9" cy="6858000" cx="12192000"/>
   <p:notesSz cx="6858000" cy="9144000"/>
@@ -145,7 +146,7 @@
       </p:grpSpPr>
       <p:sp>
         <p:nvSpPr>
-          <p:cNvPr id="1048650" name="Header Placeholder 1"/>
+          <p:cNvPr id="1048649" name="Header Placeholder 1"/>
           <p:cNvSpPr>
             <a:spLocks noGrp="1"/>
           </p:cNvSpPr>
@@ -174,7 +175,7 @@
       </p:sp>
       <p:sp>
         <p:nvSpPr>
-          <p:cNvPr id="1048651" name="Date Placeholder 2"/>
+          <p:cNvPr id="1048650" name="Date Placeholder 2"/>
           <p:cNvSpPr>
             <a:spLocks noGrp="1"/>
           </p:cNvSpPr>
@@ -206,7 +207,7 @@
       </p:sp>
       <p:sp>
         <p:nvSpPr>
-          <p:cNvPr id="1048652" name="Slide Image Placeholder 3"/>
+          <p:cNvPr id="1048651" name="Slide Image Placeholder 3"/>
           <p:cNvSpPr>
             <a:spLocks noChangeAspect="1" noRot="1" noGrp="1"/>
           </p:cNvSpPr>
@@ -236,7 +237,7 @@
       </p:sp>
       <p:sp>
         <p:nvSpPr>
-          <p:cNvPr id="1048653" name="Notes Placeholder 4"/>
+          <p:cNvPr id="1048652" name="Notes Placeholder 4"/>
           <p:cNvSpPr>
             <a:spLocks noGrp="1"/>
           </p:cNvSpPr>
@@ -297,7 +298,7 @@
       </p:sp>
       <p:sp>
         <p:nvSpPr>
-          <p:cNvPr id="1048654" name="Footer Placeholder 5"/>
+          <p:cNvPr id="1048653" name="Footer Placeholder 5"/>
           <p:cNvSpPr>
             <a:spLocks noGrp="1"/>
           </p:cNvSpPr>
@@ -326,7 +327,7 @@
       </p:sp>
       <p:sp>
         <p:nvSpPr>
-          <p:cNvPr id="1048655" name="Slide Number Placeholder 6"/>
+          <p:cNvPr id="1048654" name="Slide Number Placeholder 6"/>
           <p:cNvSpPr>
             <a:spLocks noGrp="1"/>
           </p:cNvSpPr>
@@ -507,7 +508,7 @@
       </p:pic>
       <p:sp>
         <p:nvSpPr>
-          <p:cNvPr id="1048595" name="Rectangle 3"/>
+          <p:cNvPr id="1048594" name="Rectangle 3"/>
           <p:cNvSpPr>
             <a:spLocks noGrp="1" noChangeArrowheads="1"/>
           </p:cNvSpPr>
@@ -544,7 +545,7 @@
       </p:sp>
       <p:sp>
         <p:nvSpPr>
-          <p:cNvPr id="1048596" name="Rectangle 4"/>
+          <p:cNvPr id="1048595" name="Rectangle 4"/>
           <p:cNvSpPr>
             <a:spLocks noGrp="1" noChangeArrowheads="1"/>
           </p:cNvSpPr>
@@ -583,7 +584,7 @@
       </p:sp>
       <p:sp>
         <p:nvSpPr>
-          <p:cNvPr id="1048597" name="Rectangle 5"/>
+          <p:cNvPr id="1048596" name="Rectangle 5"/>
           <p:cNvSpPr>
             <a:spLocks noGrp="1" noChangeArrowheads="1"/>
           </p:cNvSpPr>
@@ -611,7 +612,7 @@
       </p:sp>
       <p:sp>
         <p:nvSpPr>
-          <p:cNvPr id="1048598" name="Rectangle 6"/>
+          <p:cNvPr id="1048597" name="Rectangle 6"/>
           <p:cNvSpPr>
             <a:spLocks noGrp="1" noChangeArrowheads="1"/>
           </p:cNvSpPr>
@@ -636,7 +637,7 @@
       </p:sp>
       <p:sp>
         <p:nvSpPr>
-          <p:cNvPr id="1048599" name="Rectangle 7"/>
+          <p:cNvPr id="1048598" name="Rectangle 7"/>
           <p:cNvSpPr>
             <a:spLocks noGrp="1" noChangeArrowheads="1"/>
           </p:cNvSpPr>
@@ -690,7 +691,7 @@
       </p:grpSpPr>
       <p:sp>
         <p:nvSpPr>
-          <p:cNvPr id="1048620" name="Title 1"/>
+          <p:cNvPr id="1048619" name="Title 1"/>
           <p:cNvSpPr>
             <a:spLocks noGrp="1"/>
           </p:cNvSpPr>
@@ -712,7 +713,7 @@
       </p:sp>
       <p:sp>
         <p:nvSpPr>
-          <p:cNvPr id="1048621" name="Vertical Text Placeholder 2"/>
+          <p:cNvPr id="1048620" name="Vertical Text Placeholder 2"/>
           <p:cNvSpPr>
             <a:spLocks noGrp="1"/>
           </p:cNvSpPr>
@@ -767,7 +768,7 @@
       </p:sp>
       <p:sp>
         <p:nvSpPr>
-          <p:cNvPr id="1048622" name="Date Placeholder 3"/>
+          <p:cNvPr id="1048621" name="Date Placeholder 3"/>
           <p:cNvSpPr>
             <a:spLocks noGrp="1"/>
           </p:cNvSpPr>
@@ -788,7 +789,7 @@
       </p:sp>
       <p:sp>
         <p:nvSpPr>
-          <p:cNvPr id="1048623" name="Footer Placeholder 4"/>
+          <p:cNvPr id="1048622" name="Footer Placeholder 4"/>
           <p:cNvSpPr>
             <a:spLocks noGrp="1"/>
           </p:cNvSpPr>
@@ -806,7 +807,7 @@
       </p:sp>
       <p:sp>
         <p:nvSpPr>
-          <p:cNvPr id="1048624" name="Slide Number Placeholder 5"/>
+          <p:cNvPr id="1048623" name="Slide Number Placeholder 5"/>
           <p:cNvSpPr>
             <a:spLocks noGrp="1"/>
           </p:cNvSpPr>
@@ -853,7 +854,7 @@
       </p:grpSpPr>
       <p:sp>
         <p:nvSpPr>
-          <p:cNvPr id="1048604" name="Vertical Title 1"/>
+          <p:cNvPr id="1048603" name="Vertical Title 1"/>
           <p:cNvSpPr>
             <a:spLocks noGrp="1"/>
           </p:cNvSpPr>
@@ -880,7 +881,7 @@
       </p:sp>
       <p:sp>
         <p:nvSpPr>
-          <p:cNvPr id="1048605" name="Vertical Text Placeholder 2"/>
+          <p:cNvPr id="1048604" name="Vertical Text Placeholder 2"/>
           <p:cNvSpPr>
             <a:spLocks noGrp="1"/>
           </p:cNvSpPr>
@@ -940,7 +941,7 @@
       </p:sp>
       <p:sp>
         <p:nvSpPr>
-          <p:cNvPr id="1048606" name="Date Placeholder 3"/>
+          <p:cNvPr id="1048605" name="Date Placeholder 3"/>
           <p:cNvSpPr>
             <a:spLocks noGrp="1"/>
           </p:cNvSpPr>
@@ -961,7 +962,7 @@
       </p:sp>
       <p:sp>
         <p:nvSpPr>
-          <p:cNvPr id="1048607" name="Footer Placeholder 4"/>
+          <p:cNvPr id="1048606" name="Footer Placeholder 4"/>
           <p:cNvSpPr>
             <a:spLocks noGrp="1"/>
           </p:cNvSpPr>
@@ -979,7 +980,7 @@
       </p:sp>
       <p:sp>
         <p:nvSpPr>
-          <p:cNvPr id="1048608" name="Slide Number Placeholder 5"/>
+          <p:cNvPr id="1048607" name="Slide Number Placeholder 5"/>
           <p:cNvSpPr>
             <a:spLocks noGrp="1"/>
           </p:cNvSpPr>
@@ -1026,7 +1027,7 @@
       </p:grpSpPr>
       <p:sp>
         <p:nvSpPr>
-          <p:cNvPr id="1048609" name="Title 1"/>
+          <p:cNvPr id="1048608" name="Title 1"/>
           <p:cNvSpPr>
             <a:spLocks noGrp="1"/>
           </p:cNvSpPr>
@@ -1048,7 +1049,7 @@
       </p:sp>
       <p:sp>
         <p:nvSpPr>
-          <p:cNvPr id="1048610" name="Content Placeholder 2"/>
+          <p:cNvPr id="1048609" name="Content Placeholder 2"/>
           <p:cNvSpPr>
             <a:spLocks noGrp="1"/>
           </p:cNvSpPr>
@@ -1103,7 +1104,7 @@
       </p:sp>
       <p:sp>
         <p:nvSpPr>
-          <p:cNvPr id="1048611" name="Date Placeholder 3"/>
+          <p:cNvPr id="1048610" name="Date Placeholder 3"/>
           <p:cNvSpPr>
             <a:spLocks noGrp="1"/>
           </p:cNvSpPr>
@@ -1124,7 +1125,7 @@
       </p:sp>
       <p:sp>
         <p:nvSpPr>
-          <p:cNvPr id="1048612" name="Footer Placeholder 4"/>
+          <p:cNvPr id="1048611" name="Footer Placeholder 4"/>
           <p:cNvSpPr>
             <a:spLocks noGrp="1"/>
           </p:cNvSpPr>
@@ -1142,7 +1143,7 @@
       </p:sp>
       <p:sp>
         <p:nvSpPr>
-          <p:cNvPr id="1048613" name="Slide Number Placeholder 5"/>
+          <p:cNvPr id="1048612" name="Slide Number Placeholder 5"/>
           <p:cNvSpPr>
             <a:spLocks noGrp="1"/>
           </p:cNvSpPr>
@@ -1189,7 +1190,7 @@
       </p:grpSpPr>
       <p:sp>
         <p:nvSpPr>
-          <p:cNvPr id="1048625" name="Title 1"/>
+          <p:cNvPr id="1048624" name="Title 1"/>
           <p:cNvSpPr>
             <a:spLocks noGrp="1"/>
           </p:cNvSpPr>
@@ -1221,7 +1222,7 @@
       </p:sp>
       <p:sp>
         <p:nvSpPr>
-          <p:cNvPr id="1048626" name="Text Placeholder 2"/>
+          <p:cNvPr id="1048625" name="Text Placeholder 2"/>
           <p:cNvSpPr>
             <a:spLocks noGrp="1"/>
           </p:cNvSpPr>
@@ -1287,7 +1288,7 @@
       </p:sp>
       <p:sp>
         <p:nvSpPr>
-          <p:cNvPr id="1048627" name="Date Placeholder 3"/>
+          <p:cNvPr id="1048626" name="Date Placeholder 3"/>
           <p:cNvSpPr>
             <a:spLocks noGrp="1"/>
           </p:cNvSpPr>
@@ -1308,7 +1309,7 @@
       </p:sp>
       <p:sp>
         <p:nvSpPr>
-          <p:cNvPr id="1048628" name="Footer Placeholder 4"/>
+          <p:cNvPr id="1048627" name="Footer Placeholder 4"/>
           <p:cNvSpPr>
             <a:spLocks noGrp="1"/>
           </p:cNvSpPr>
@@ -1326,7 +1327,7 @@
       </p:sp>
       <p:sp>
         <p:nvSpPr>
-          <p:cNvPr id="1048629" name="Slide Number Placeholder 5"/>
+          <p:cNvPr id="1048628" name="Slide Number Placeholder 5"/>
           <p:cNvSpPr>
             <a:spLocks noGrp="1"/>
           </p:cNvSpPr>
@@ -1373,7 +1374,7 @@
       </p:grpSpPr>
       <p:sp>
         <p:nvSpPr>
-          <p:cNvPr id="1048630" name="Title 1"/>
+          <p:cNvPr id="1048629" name="Title 1"/>
           <p:cNvSpPr>
             <a:spLocks noGrp="1"/>
           </p:cNvSpPr>
@@ -1395,7 +1396,7 @@
       </p:sp>
       <p:sp>
         <p:nvSpPr>
-          <p:cNvPr id="1048631" name="Content Placeholder 2"/>
+          <p:cNvPr id="1048630" name="Content Placeholder 2"/>
           <p:cNvSpPr>
             <a:spLocks noGrp="1"/>
           </p:cNvSpPr>
@@ -1455,7 +1456,7 @@
       </p:sp>
       <p:sp>
         <p:nvSpPr>
-          <p:cNvPr id="1048632" name="Content Placeholder 3"/>
+          <p:cNvPr id="1048631" name="Content Placeholder 3"/>
           <p:cNvSpPr>
             <a:spLocks noGrp="1"/>
           </p:cNvSpPr>
@@ -1515,7 +1516,7 @@
       </p:sp>
       <p:sp>
         <p:nvSpPr>
-          <p:cNvPr id="1048633" name="Date Placeholder 4"/>
+          <p:cNvPr id="1048632" name="Date Placeholder 4"/>
           <p:cNvSpPr>
             <a:spLocks noGrp="1"/>
           </p:cNvSpPr>
@@ -1536,7 +1537,7 @@
       </p:sp>
       <p:sp>
         <p:nvSpPr>
-          <p:cNvPr id="1048634" name="Footer Placeholder 5"/>
+          <p:cNvPr id="1048633" name="Footer Placeholder 5"/>
           <p:cNvSpPr>
             <a:spLocks noGrp="1"/>
           </p:cNvSpPr>
@@ -1554,7 +1555,7 @@
       </p:sp>
       <p:sp>
         <p:nvSpPr>
-          <p:cNvPr id="1048635" name="Slide Number Placeholder 6"/>
+          <p:cNvPr id="1048634" name="Slide Number Placeholder 6"/>
           <p:cNvSpPr>
             <a:spLocks noGrp="1"/>
           </p:cNvSpPr>
@@ -1601,7 +1602,7 @@
       </p:grpSpPr>
       <p:sp>
         <p:nvSpPr>
-          <p:cNvPr id="1048636" name="Title 1"/>
+          <p:cNvPr id="1048635" name="Title 1"/>
           <p:cNvSpPr>
             <a:spLocks noGrp="1"/>
           </p:cNvSpPr>
@@ -1628,7 +1629,7 @@
       </p:sp>
       <p:sp>
         <p:nvSpPr>
-          <p:cNvPr id="1048637" name="Text Placeholder 2"/>
+          <p:cNvPr id="1048636" name="Text Placeholder 2"/>
           <p:cNvSpPr>
             <a:spLocks noGrp="1"/>
           </p:cNvSpPr>
@@ -1694,7 +1695,7 @@
       </p:sp>
       <p:sp>
         <p:nvSpPr>
-          <p:cNvPr id="1048638" name="Content Placeholder 3"/>
+          <p:cNvPr id="1048637" name="Content Placeholder 3"/>
           <p:cNvSpPr>
             <a:spLocks noGrp="1"/>
           </p:cNvSpPr>
@@ -1754,7 +1755,7 @@
       </p:sp>
       <p:sp>
         <p:nvSpPr>
-          <p:cNvPr id="1048639" name="Text Placeholder 4"/>
+          <p:cNvPr id="1048638" name="Text Placeholder 4"/>
           <p:cNvSpPr>
             <a:spLocks noGrp="1"/>
           </p:cNvSpPr>
@@ -1820,7 +1821,7 @@
       </p:sp>
       <p:sp>
         <p:nvSpPr>
-          <p:cNvPr id="1048640" name="Content Placeholder 5"/>
+          <p:cNvPr id="1048639" name="Content Placeholder 5"/>
           <p:cNvSpPr>
             <a:spLocks noGrp="1"/>
           </p:cNvSpPr>
@@ -1880,7 +1881,7 @@
       </p:sp>
       <p:sp>
         <p:nvSpPr>
-          <p:cNvPr id="1048641" name="Date Placeholder 6"/>
+          <p:cNvPr id="1048640" name="Date Placeholder 6"/>
           <p:cNvSpPr>
             <a:spLocks noGrp="1"/>
           </p:cNvSpPr>
@@ -1901,7 +1902,7 @@
       </p:sp>
       <p:sp>
         <p:nvSpPr>
-          <p:cNvPr id="1048642" name="Footer Placeholder 7"/>
+          <p:cNvPr id="1048641" name="Footer Placeholder 7"/>
           <p:cNvSpPr>
             <a:spLocks noGrp="1"/>
           </p:cNvSpPr>
@@ -1919,7 +1920,7 @@
       </p:sp>
       <p:sp>
         <p:nvSpPr>
-          <p:cNvPr id="1048643" name="Slide Number Placeholder 8"/>
+          <p:cNvPr id="1048642" name="Slide Number Placeholder 8"/>
           <p:cNvSpPr>
             <a:spLocks noGrp="1"/>
           </p:cNvSpPr>
@@ -1966,7 +1967,7 @@
       </p:grpSpPr>
       <p:sp>
         <p:nvSpPr>
-          <p:cNvPr id="1048600" name="Title 1"/>
+          <p:cNvPr id="1048599" name="Title 1"/>
           <p:cNvSpPr>
             <a:spLocks noGrp="1"/>
           </p:cNvSpPr>
@@ -1988,7 +1989,7 @@
       </p:sp>
       <p:sp>
         <p:nvSpPr>
-          <p:cNvPr id="1048601" name="Date Placeholder 2"/>
+          <p:cNvPr id="1048600" name="Date Placeholder 2"/>
           <p:cNvSpPr>
             <a:spLocks noGrp="1"/>
           </p:cNvSpPr>
@@ -2009,7 +2010,7 @@
       </p:sp>
       <p:sp>
         <p:nvSpPr>
-          <p:cNvPr id="1048602" name="Footer Placeholder 3"/>
+          <p:cNvPr id="1048601" name="Footer Placeholder 3"/>
           <p:cNvSpPr>
             <a:spLocks noGrp="1"/>
           </p:cNvSpPr>
@@ -2027,7 +2028,7 @@
       </p:sp>
       <p:sp>
         <p:nvSpPr>
-          <p:cNvPr id="1048603" name="Slide Number Placeholder 4"/>
+          <p:cNvPr id="1048602" name="Slide Number Placeholder 4"/>
           <p:cNvSpPr>
             <a:spLocks noGrp="1"/>
           </p:cNvSpPr>
@@ -2060,7 +2061,7 @@
   <p:cSld name="Blank">
     <p:spTree>
       <p:nvGrpSpPr>
-        <p:cNvPr id="24" name=""/>
+        <p:cNvPr id="26" name=""/>
         <p:cNvGrpSpPr/>
         <p:nvPr/>
       </p:nvGrpSpPr>
@@ -2160,7 +2161,7 @@
       </p:grpSpPr>
       <p:sp>
         <p:nvSpPr>
-          <p:cNvPr id="1048644" name="Title 1"/>
+          <p:cNvPr id="1048643" name="Title 1"/>
           <p:cNvSpPr>
             <a:spLocks noGrp="1"/>
           </p:cNvSpPr>
@@ -2192,7 +2193,7 @@
       </p:sp>
       <p:sp>
         <p:nvSpPr>
-          <p:cNvPr id="1048645" name="Content Placeholder 2"/>
+          <p:cNvPr id="1048644" name="Content Placeholder 2"/>
           <p:cNvSpPr>
             <a:spLocks noGrp="1"/>
           </p:cNvSpPr>
@@ -2281,7 +2282,7 @@
       </p:sp>
       <p:sp>
         <p:nvSpPr>
-          <p:cNvPr id="1048646" name="Text Placeholder 3"/>
+          <p:cNvPr id="1048645" name="Text Placeholder 3"/>
           <p:cNvSpPr>
             <a:spLocks noGrp="1"/>
           </p:cNvSpPr>
@@ -2347,7 +2348,7 @@
       </p:sp>
       <p:sp>
         <p:nvSpPr>
-          <p:cNvPr id="1048647" name="Date Placeholder 4"/>
+          <p:cNvPr id="1048646" name="Date Placeholder 4"/>
           <p:cNvSpPr>
             <a:spLocks noGrp="1"/>
           </p:cNvSpPr>
@@ -2368,7 +2369,7 @@
       </p:sp>
       <p:sp>
         <p:nvSpPr>
-          <p:cNvPr id="1048648" name="Footer Placeholder 5"/>
+          <p:cNvPr id="1048647" name="Footer Placeholder 5"/>
           <p:cNvSpPr>
             <a:spLocks noGrp="1"/>
           </p:cNvSpPr>
@@ -2386,7 +2387,7 @@
       </p:sp>
       <p:sp>
         <p:nvSpPr>
-          <p:cNvPr id="1048649" name="Slide Number Placeholder 6"/>
+          <p:cNvPr id="1048648" name="Slide Number Placeholder 6"/>
           <p:cNvSpPr>
             <a:spLocks noGrp="1"/>
           </p:cNvSpPr>
@@ -2433,7 +2434,7 @@
       </p:grpSpPr>
       <p:sp>
         <p:nvSpPr>
-          <p:cNvPr id="1048614" name="Title 1"/>
+          <p:cNvPr id="1048613" name="Title 1"/>
           <p:cNvSpPr>
             <a:spLocks noGrp="1"/>
           </p:cNvSpPr>
@@ -2465,7 +2466,7 @@
       </p:sp>
       <p:sp>
         <p:nvSpPr>
-          <p:cNvPr id="1048615" name="Picture Placeholder 2"/>
+          <p:cNvPr id="1048614" name="Picture Placeholder 2"/>
           <p:cNvSpPr>
             <a:spLocks noGrp="1"/>
           </p:cNvSpPr>
@@ -2554,7 +2555,7 @@
       </p:sp>
       <p:sp>
         <p:nvSpPr>
-          <p:cNvPr id="1048616" name="Text Placeholder 3"/>
+          <p:cNvPr id="1048615" name="Text Placeholder 3"/>
           <p:cNvSpPr>
             <a:spLocks noGrp="1"/>
           </p:cNvSpPr>
@@ -2620,7 +2621,7 @@
       </p:sp>
       <p:sp>
         <p:nvSpPr>
-          <p:cNvPr id="1048617" name="Date Placeholder 4"/>
+          <p:cNvPr id="1048616" name="Date Placeholder 4"/>
           <p:cNvSpPr>
             <a:spLocks noGrp="1"/>
           </p:cNvSpPr>
@@ -2641,7 +2642,7 @@
       </p:sp>
       <p:sp>
         <p:nvSpPr>
-          <p:cNvPr id="1048618" name="Footer Placeholder 5"/>
+          <p:cNvPr id="1048617" name="Footer Placeholder 5"/>
           <p:cNvSpPr>
             <a:spLocks noGrp="1"/>
           </p:cNvSpPr>
@@ -2659,7 +2660,7 @@
       </p:sp>
       <p:sp>
         <p:nvSpPr>
-          <p:cNvPr id="1048619" name="Slide Number Placeholder 6"/>
+          <p:cNvPr id="1048618" name="Slide Number Placeholder 6"/>
           <p:cNvSpPr>
             <a:spLocks noGrp="1"/>
           </p:cNvSpPr>
@@ -2700,7 +2701,7 @@
     </p:bg>
     <p:spTree>
       <p:nvGrpSpPr>
-        <p:cNvPr id="12" name=""/>
+        <p:cNvPr id="14" name=""/>
         <p:cNvGrpSpPr/>
         <p:nvPr/>
       </p:nvGrpSpPr>
@@ -3364,7 +3365,7 @@
     </p:bg>
     <p:spTree>
       <p:nvGrpSpPr>
-        <p:cNvPr id="25" name=""/>
+        <p:cNvPr id="31" name=""/>
         <p:cNvGrpSpPr/>
         <p:nvPr/>
       </p:nvGrpSpPr>
@@ -3378,7 +3379,7 @@
       </p:grpSpPr>
       <p:sp>
         <p:nvSpPr>
-          <p:cNvPr id="1048584" name="Text Box 6"/>
+          <p:cNvPr id="1048586" name="Text Box 6"/>
           <p:cNvSpPr txBox="1"/>
           <p:nvPr/>
         </p:nvSpPr>
@@ -4092,7 +4093,7 @@
   <p:cSld>
     <p:spTree>
       <p:nvGrpSpPr>
-        <p:cNvPr id="36" name=""/>
+        <p:cNvPr id="29" name=""/>
         <p:cNvGrpSpPr/>
         <p:nvPr/>
       </p:nvGrpSpPr>
@@ -4101,7 +4102,7 @@
       </p:grpSpPr>
       <p:sp>
         <p:nvSpPr>
-          <p:cNvPr id="1048593" name="Text Box 1"/>
+          <p:cNvPr id="1048584" name="Text Box 1"/>
           <p:cNvSpPr txBox="1"/>
           <p:nvPr/>
         </p:nvSpPr>
@@ -4314,7 +4315,7 @@
     </p:bg>
     <p:spTree>
       <p:nvGrpSpPr>
-        <p:cNvPr id="37" name=""/>
+        <p:cNvPr id="28" name=""/>
         <p:cNvGrpSpPr/>
         <p:nvPr/>
       </p:nvGrpSpPr>
@@ -4323,7 +4324,7 @@
       </p:grpSpPr>
       <p:pic>
         <p:nvPicPr>
-          <p:cNvPr id="2097155" name=""/>
+          <p:cNvPr id="2097153" name=""/>
           <p:cNvPicPr>
             <a:picLocks/>
           </p:cNvPicPr>
@@ -4356,7 +4357,7 @@
   <p:cSld>
     <p:spTree>
       <p:nvGrpSpPr>
-        <p:cNvPr id="38" name=""/>
+        <p:cNvPr id="27" name=""/>
         <p:cNvGrpSpPr/>
         <p:nvPr/>
       </p:nvGrpSpPr>
@@ -4365,97 +4366,121 @@
       </p:grpSpPr>
       <p:sp>
         <p:nvSpPr>
-          <p:cNvPr id="1048594" name="Text Box 1"/>
+          <p:cNvPr id="1048655" name=""/>
           <p:cNvSpPr txBox="1"/>
           <p:nvPr/>
         </p:nvSpPr>
         <p:spPr>
           <a:xfrm>
-            <a:off x="0" y="0"/>
-            <a:ext cx="11892915" cy="6777990"/>
+            <a:off x="3810000" y="3251200"/>
+            <a:ext cx="4572000" cy="1767840"/>
           </a:xfrm>
           <a:prstGeom prst="rect"/>
         </p:spPr>
         <p:txBody>
-          <a:bodyPr>
-            <a:noAutofit/>
+          <a:bodyPr rtlCol="0" wrap="square">
+            <a:spAutoFit/>
           </a:bodyPr>
           <a:p>
-            <a:pPr algn="ctr" indent="0" marL="0">
-              <a:spcBef>
-                <a:spcPts val="900"/>
-              </a:spcBef>
-              <a:spcAft>
-                <a:spcPts val="600"/>
-              </a:spcAft>
-            </a:pPr>
-            <a:r>
-              <a:rPr b="1" sz="4400" i="0">
-                <a:solidFill>
-                  <a:srgbClr val="404040"/>
-                </a:solidFill>
-                <a:latin typeface="quote-cjk-patch"/>
-                <a:ea typeface="quote-cjk-patch"/>
-              </a:rPr>
-              <a:t>Conclusion</a:t>
-            </a:r>
-            <a:endParaRPr b="1" sz="4400" i="0">
-              <a:solidFill>
-                <a:srgbClr val="404040"/>
-              </a:solidFill>
-              <a:latin typeface="quote-cjk-patch"/>
-              <a:ea typeface="quote-cjk-patch"/>
-            </a:endParaRPr>
-          </a:p>
-          <a:p>
-            <a:pPr algn="ctr" indent="0" marL="0">
-              <a:spcBef>
-                <a:spcPts val="900"/>
-              </a:spcBef>
-              <a:spcAft>
-                <a:spcPts val="600"/>
-              </a:spcAft>
-            </a:pPr>
-            <a:endParaRPr b="1" i="0">
-              <a:solidFill>
-                <a:srgbClr val="404040"/>
-              </a:solidFill>
-              <a:latin typeface="quote-cjk-patch"/>
-              <a:ea typeface="quote-cjk-patch"/>
-            </a:endParaRPr>
-          </a:p>
-          <a:p>
-            <a:pPr indent="0" marL="0">
-              <a:lnSpc>
-                <a:spcPct val="100000"/>
-              </a:lnSpc>
-              <a:spcBef>
-                <a:spcPts val="600"/>
-              </a:spcBef>
-              <a:spcAft>
-                <a:spcPts val="600"/>
-              </a:spcAft>
-            </a:pPr>
-            <a:r>
-              <a:rPr b="0" sz="2800" i="0">
-                <a:solidFill>
-                  <a:srgbClr val="404040"/>
-                </a:solidFill>
-                <a:latin typeface="quote-cjk-patch"/>
-                <a:ea typeface="quote-cjk-patch"/>
-              </a:rPr>
-              <a:t>The "Smart Digital Portfolio" project successfully addresses the modern need for a dynamic and insightful professional presentation. By integrating traditional portfolio elements with powerful analytics and a personalized recommendation system, it empowers students to not only display their past achievements but also strategically plan their future skill development. This platform bridges the gap between students and opportunities effectively.</a:t>
-            </a:r>
-            <a:endParaRPr b="0" sz="2800" i="0">
-              <a:solidFill>
-                <a:srgbClr val="404040"/>
-              </a:solidFill>
-              <a:latin typeface="quote-cjk-patch"/>
-              <a:ea typeface="quote-cjk-patch"/>
-            </a:endParaRPr>
-          </a:p>
-        </p:txBody>
-      </p:sp>
+            <a:r>
+              <a:rPr sz="2800" lang="en-GB">
+                <a:solidFill>
+                  <a:srgbClr val="000000"/>
+                </a:solidFill>
+              </a:rPr>
+              <a:t>https://github.com/reshma20078-netizen/Reshma-TNSDC-FWD-DP.git</a:t>
+            </a:r>
+            <a:endParaRPr sz="2800" lang="en-GB">
+              <a:solidFill>
+                <a:srgbClr val="000000"/>
+              </a:solidFill>
+            </a:endParaRPr>
+          </a:p>
+        </p:txBody>
+      </p:sp>
+    </p:spTree>
+  </p:cSld>
+  <p:clrMapOvr>
+    <a:masterClrMapping/>
+  </p:clrMapOvr>
+</p:sld>
+</file>
+
+<file path=ppt/slides/slide13.xml><?xml version="1.0" encoding="utf-8"?>
+<p:sld xmlns:a="http://schemas.openxmlformats.org/drawingml/2006/main" xmlns:r="http://schemas.openxmlformats.org/officeDocument/2006/relationships" xmlns:p="http://schemas.openxmlformats.org/presentationml/2006/main">
+  <p:cSld>
+    <p:spTree>
+      <p:nvGrpSpPr>
+        <p:cNvPr id="50" name=""/>
+        <p:cNvGrpSpPr/>
+        <p:nvPr/>
+      </p:nvGrpSpPr>
+      <p:grpSpPr>
+        <a:xfrm>
+          <a:off x="0" y="0"/>
+          <a:ext cx="0" cy="0"/>
+          <a:chOff x="0" y="0"/>
+          <a:chExt cx="0" cy="0"/>
+        </a:xfrm>
+      </p:grpSpPr>
+      <p:sp>
+        <p:nvSpPr>
+          <p:cNvPr id="1048656" name=""/>
+          <p:cNvSpPr>
+            <a:spLocks noGrp="1"/>
+          </p:cNvSpPr>
+          <p:nvPr>
+            <p:ph type="ctrTitle"/>
+          </p:nvPr>
+        </p:nvSpPr>
+        <p:spPr/>
+        <p:txBody>
+          <a:bodyPr/>
+          <a:p>
+            <a:endParaRPr lang="en-GB"/>
+          </a:p>
+        </p:txBody>
+      </p:sp>
+      <p:sp>
+        <p:nvSpPr>
+          <p:cNvPr id="1048657" name=""/>
+          <p:cNvSpPr>
+            <a:spLocks noGrp="1"/>
+          </p:cNvSpPr>
+          <p:nvPr>
+            <p:ph type="subTitle" idx="1"/>
+          </p:nvPr>
+        </p:nvSpPr>
+        <p:spPr/>
+        <p:txBody>
+          <a:bodyPr/>
+          <a:p>
+            <a:endParaRPr lang="en-GB"/>
+          </a:p>
+        </p:txBody>
+      </p:sp>
+      <p:pic>
+        <p:nvPicPr>
+          <p:cNvPr id="2097155" name=""/>
+          <p:cNvPicPr>
+            <a:picLocks/>
+          </p:cNvPicPr>
+          <p:nvPr/>
+        </p:nvPicPr>
+        <p:blipFill>
+          <a:blip xmlns:r="http://schemas.openxmlformats.org/officeDocument/2006/relationships" r:embed="rId1"/>
+          <a:stretch>
+            <a:fillRect/>
+          </a:stretch>
+        </p:blipFill>
+        <p:spPr>
+          <a:xfrm rot="0">
+            <a:off x="5247" y="0"/>
+            <a:ext cx="12181505" cy="6858000"/>
+          </a:xfrm>
+          <a:prstGeom prst="rect"/>
+        </p:spPr>
+      </p:pic>
     </p:spTree>
   </p:cSld>
   <p:clrMapOvr>
@@ -4469,7 +4494,7 @@
   <p:cSld>
     <p:spTree>
       <p:nvGrpSpPr>
-        <p:cNvPr id="28" name=""/>
+        <p:cNvPr id="32" name=""/>
         <p:cNvGrpSpPr/>
         <p:nvPr/>
       </p:nvGrpSpPr>
@@ -4478,7 +4503,7 @@
       </p:grpSpPr>
       <p:sp>
         <p:nvSpPr>
-          <p:cNvPr id="1048585" name="Text Box 1"/>
+          <p:cNvPr id="1048587" name="Text Box 1"/>
           <p:cNvSpPr txBox="1"/>
           <p:nvPr/>
         </p:nvSpPr>
@@ -4579,7 +4604,7 @@
   <p:cSld>
     <p:spTree>
       <p:nvGrpSpPr>
-        <p:cNvPr id="29" name=""/>
+        <p:cNvPr id="33" name=""/>
         <p:cNvGrpSpPr/>
         <p:nvPr/>
       </p:nvGrpSpPr>
@@ -4588,7 +4613,7 @@
       </p:grpSpPr>
       <p:sp>
         <p:nvSpPr>
-          <p:cNvPr id="1048586" name="Text Box 1"/>
+          <p:cNvPr id="1048588" name="Text Box 1"/>
           <p:cNvSpPr txBox="1"/>
           <p:nvPr/>
         </p:nvSpPr>
@@ -5381,7 +5406,7 @@
   <p:cSld>
     <p:spTree>
       <p:nvGrpSpPr>
-        <p:cNvPr id="30" name=""/>
+        <p:cNvPr id="34" name=""/>
         <p:cNvGrpSpPr/>
         <p:nvPr/>
       </p:nvGrpSpPr>
@@ -5390,7 +5415,7 @@
       </p:grpSpPr>
       <p:sp>
         <p:nvSpPr>
-          <p:cNvPr id="1048587" name="Text Box 2"/>
+          <p:cNvPr id="1048589" name="Text Box 2"/>
           <p:cNvSpPr txBox="1"/>
           <p:nvPr/>
         </p:nvSpPr>
@@ -5661,7 +5686,7 @@
   <p:cSld>
     <p:spTree>
       <p:nvGrpSpPr>
-        <p:cNvPr id="31" name=""/>
+        <p:cNvPr id="35" name=""/>
         <p:cNvGrpSpPr/>
         <p:nvPr/>
       </p:nvGrpSpPr>
@@ -5670,7 +5695,7 @@
       </p:grpSpPr>
       <p:sp>
         <p:nvSpPr>
-          <p:cNvPr id="1048588" name="Text Box 1"/>
+          <p:cNvPr id="1048590" name="Text Box 1"/>
           <p:cNvSpPr txBox="1"/>
           <p:nvPr/>
         </p:nvSpPr>
@@ -5774,7 +5799,7 @@
   <p:cSld>
     <p:spTree>
       <p:nvGrpSpPr>
-        <p:cNvPr id="32" name=""/>
+        <p:cNvPr id="36" name=""/>
         <p:cNvGrpSpPr/>
         <p:nvPr/>
       </p:nvGrpSpPr>
@@ -5783,7 +5808,7 @@
       </p:grpSpPr>
       <p:sp>
         <p:nvSpPr>
-          <p:cNvPr id="1048589" name="Text Box 2"/>
+          <p:cNvPr id="1048591" name="Text Box 2"/>
           <p:cNvSpPr txBox="1"/>
           <p:nvPr/>
         </p:nvSpPr>
@@ -5997,7 +6022,7 @@
   <p:cSld>
     <p:spTree>
       <p:nvGrpSpPr>
-        <p:cNvPr id="33" name=""/>
+        <p:cNvPr id="37" name=""/>
         <p:cNvGrpSpPr/>
         <p:nvPr/>
       </p:nvGrpSpPr>
@@ -6006,7 +6031,7 @@
       </p:grpSpPr>
       <p:sp>
         <p:nvSpPr>
-          <p:cNvPr id="1048590" name="Text Box 1"/>
+          <p:cNvPr id="1048592" name="Text Box 1"/>
           <p:cNvSpPr txBox="1"/>
           <p:nvPr/>
         </p:nvSpPr>
@@ -6272,7 +6297,7 @@
   <p:cSld>
     <p:spTree>
       <p:nvGrpSpPr>
-        <p:cNvPr id="34" name=""/>
+        <p:cNvPr id="38" name=""/>
         <p:cNvGrpSpPr/>
         <p:nvPr/>
       </p:nvGrpSpPr>
@@ -6281,7 +6306,7 @@
       </p:grpSpPr>
       <p:sp>
         <p:nvSpPr>
-          <p:cNvPr id="1048591" name="Text Box 1"/>
+          <p:cNvPr id="1048593" name="Text Box 1"/>
           <p:cNvSpPr txBox="1"/>
           <p:nvPr/>
         </p:nvSpPr>
@@ -6636,7 +6661,7 @@
   <p:cSld>
     <p:spTree>
       <p:nvGrpSpPr>
-        <p:cNvPr id="35" name=""/>
+        <p:cNvPr id="30" name=""/>
         <p:cNvGrpSpPr/>
         <p:nvPr/>
       </p:nvGrpSpPr>
@@ -6645,7 +6670,7 @@
       </p:grpSpPr>
       <p:sp>
         <p:nvSpPr>
-          <p:cNvPr id="1048592" name="Text Box 1"/>
+          <p:cNvPr id="1048585" name="Text Box 1"/>
           <p:cNvSpPr txBox="1"/>
           <p:nvPr/>
         </p:nvSpPr>
